--- a/task_pictures/ppp/tasks.pptx
+++ b/task_pictures/ppp/tasks.pptx
@@ -227,7 +227,7 @@
           <a:p>
             <a:fld id="{21985CF9-BA41-844A-AEB8-85B84B0C4080}" type="datetimeFigureOut">
               <a:rPr lang="de-DE" smtClean="0"/>
-              <a:t>01.06.23</a:t>
+              <a:t>27.11.23</a:t>
             </a:fld>
             <a:endParaRPr lang="de-DE"/>
           </a:p>
@@ -2381,7 +2381,7 @@
           <a:p>
             <a:fld id="{34B96CE8-6CED-354D-8C90-18D236AA368C}" type="datetimeFigureOut">
               <a:rPr lang="de-DE" smtClean="0"/>
-              <a:t>01.06.23</a:t>
+              <a:t>27.11.23</a:t>
             </a:fld>
             <a:endParaRPr lang="de-DE"/>
           </a:p>
@@ -2579,7 +2579,7 @@
           <a:p>
             <a:fld id="{34B96CE8-6CED-354D-8C90-18D236AA368C}" type="datetimeFigureOut">
               <a:rPr lang="de-DE" smtClean="0"/>
-              <a:t>01.06.23</a:t>
+              <a:t>27.11.23</a:t>
             </a:fld>
             <a:endParaRPr lang="de-DE"/>
           </a:p>
@@ -2787,7 +2787,7 @@
           <a:p>
             <a:fld id="{34B96CE8-6CED-354D-8C90-18D236AA368C}" type="datetimeFigureOut">
               <a:rPr lang="de-DE" smtClean="0"/>
-              <a:t>01.06.23</a:t>
+              <a:t>27.11.23</a:t>
             </a:fld>
             <a:endParaRPr lang="de-DE"/>
           </a:p>
@@ -2985,7 +2985,7 @@
           <a:p>
             <a:fld id="{34B96CE8-6CED-354D-8C90-18D236AA368C}" type="datetimeFigureOut">
               <a:rPr lang="de-DE" smtClean="0"/>
-              <a:t>01.06.23</a:t>
+              <a:t>27.11.23</a:t>
             </a:fld>
             <a:endParaRPr lang="de-DE"/>
           </a:p>
@@ -3260,7 +3260,7 @@
           <a:p>
             <a:fld id="{34B96CE8-6CED-354D-8C90-18D236AA368C}" type="datetimeFigureOut">
               <a:rPr lang="de-DE" smtClean="0"/>
-              <a:t>01.06.23</a:t>
+              <a:t>27.11.23</a:t>
             </a:fld>
             <a:endParaRPr lang="de-DE"/>
           </a:p>
@@ -3525,7 +3525,7 @@
           <a:p>
             <a:fld id="{34B96CE8-6CED-354D-8C90-18D236AA368C}" type="datetimeFigureOut">
               <a:rPr lang="de-DE" smtClean="0"/>
-              <a:t>01.06.23</a:t>
+              <a:t>27.11.23</a:t>
             </a:fld>
             <a:endParaRPr lang="de-DE"/>
           </a:p>
@@ -3937,7 +3937,7 @@
           <a:p>
             <a:fld id="{34B96CE8-6CED-354D-8C90-18D236AA368C}" type="datetimeFigureOut">
               <a:rPr lang="de-DE" smtClean="0"/>
-              <a:t>01.06.23</a:t>
+              <a:t>27.11.23</a:t>
             </a:fld>
             <a:endParaRPr lang="de-DE"/>
           </a:p>
@@ -4078,7 +4078,7 @@
           <a:p>
             <a:fld id="{34B96CE8-6CED-354D-8C90-18D236AA368C}" type="datetimeFigureOut">
               <a:rPr lang="de-DE" smtClean="0"/>
-              <a:t>01.06.23</a:t>
+              <a:t>27.11.23</a:t>
             </a:fld>
             <a:endParaRPr lang="de-DE"/>
           </a:p>
@@ -4191,7 +4191,7 @@
           <a:p>
             <a:fld id="{34B96CE8-6CED-354D-8C90-18D236AA368C}" type="datetimeFigureOut">
               <a:rPr lang="de-DE" smtClean="0"/>
-              <a:t>01.06.23</a:t>
+              <a:t>27.11.23</a:t>
             </a:fld>
             <a:endParaRPr lang="de-DE"/>
           </a:p>
@@ -4502,7 +4502,7 @@
           <a:p>
             <a:fld id="{34B96CE8-6CED-354D-8C90-18D236AA368C}" type="datetimeFigureOut">
               <a:rPr lang="de-DE" smtClean="0"/>
-              <a:t>01.06.23</a:t>
+              <a:t>27.11.23</a:t>
             </a:fld>
             <a:endParaRPr lang="de-DE"/>
           </a:p>
@@ -4790,7 +4790,7 @@
           <a:p>
             <a:fld id="{34B96CE8-6CED-354D-8C90-18D236AA368C}" type="datetimeFigureOut">
               <a:rPr lang="de-DE" smtClean="0"/>
-              <a:t>01.06.23</a:t>
+              <a:t>27.11.23</a:t>
             </a:fld>
             <a:endParaRPr lang="de-DE"/>
           </a:p>
@@ -5031,7 +5031,7 @@
           <a:p>
             <a:fld id="{34B96CE8-6CED-354D-8C90-18D236AA368C}" type="datetimeFigureOut">
               <a:rPr lang="de-DE" smtClean="0"/>
-              <a:t>01.06.23</a:t>
+              <a:t>27.11.23</a:t>
             </a:fld>
             <a:endParaRPr lang="de-DE"/>
           </a:p>
@@ -6949,7 +6949,18 @@
                 <a:ea typeface="Calibri" panose="020F0502020204030204" pitchFamily="34" charset="0"/>
                 <a:cs typeface="Times New Roman" panose="02020603050405020304" pitchFamily="18" charset="0"/>
               </a:rPr>
-              <a:t> ich doch mein Zimmer </a:t>
+              <a:t> ich doch</a:t>
+            </a:r>
+          </a:p>
+          <a:p>
+            <a:r>
+              <a:rPr lang="de-DE" sz="1800" kern="100" dirty="0">
+                <a:effectLst/>
+                <a:latin typeface="Open Sans" panose="020B0606030504020204" pitchFamily="34" charset="0"/>
+                <a:ea typeface="Calibri" panose="020F0502020204030204" pitchFamily="34" charset="0"/>
+                <a:cs typeface="Times New Roman" panose="02020603050405020304" pitchFamily="18" charset="0"/>
+              </a:rPr>
+              <a:t>mein Zimmer </a:t>
             </a:r>
             <a:r>
               <a:rPr lang="de-DE" sz="1800" b="1" u="sng" kern="100" dirty="0">
@@ -7204,15 +7215,6 @@
               </a:rPr>
               <a:t> </a:t>
             </a:r>
-            <a:r>
-              <a:rPr lang="de-DE" sz="1800" i="1" kern="100" dirty="0">
-                <a:effectLst/>
-                <a:latin typeface="Open Sans" panose="020B0606030504020204" pitchFamily="34" charset="0"/>
-                <a:ea typeface="Calibri" panose="020F0502020204030204" pitchFamily="34" charset="0"/>
-                <a:cs typeface="Times New Roman" panose="02020603050405020304" pitchFamily="18" charset="0"/>
-              </a:rPr>
-              <a:t> </a:t>
-            </a:r>
             <a:endParaRPr lang="de-DE" sz="2800" kern="100" dirty="0">
               <a:effectLst/>
               <a:latin typeface="Calibri" panose="020F0502020204030204" pitchFamily="34" charset="0"/>
@@ -7238,6 +7240,8 @@
               </a:rPr>
               <a:t>Wäre</a:t>
             </a:r>
+          </a:p>
+          <a:p>
             <a:r>
               <a:rPr lang="de-DE" sz="1800" kern="100" dirty="0">
                 <a:effectLst/>
@@ -7245,7 +7249,7 @@
                 <a:ea typeface="Calibri" panose="020F0502020204030204" pitchFamily="34" charset="0"/>
                 <a:cs typeface="Times New Roman" panose="02020603050405020304" pitchFamily="18" charset="0"/>
               </a:rPr>
-              <a:t> er doch </a:t>
+              <a:t>er doch </a:t>
             </a:r>
             <a:r>
               <a:rPr lang="de-DE" sz="1800" b="1" u="sng" kern="100" dirty="0">
@@ -7264,15 +7268,6 @@
                 <a:cs typeface="Times New Roman" panose="02020603050405020304" pitchFamily="18" charset="0"/>
               </a:rPr>
               <a:t>!</a:t>
-            </a:r>
-            <a:r>
-              <a:rPr lang="de-DE" sz="1800" b="1" u="sng" kern="100" dirty="0">
-                <a:effectLst/>
-                <a:latin typeface="Open Sans" panose="020B0606030504020204" pitchFamily="34" charset="0"/>
-                <a:ea typeface="Calibri" panose="020F0502020204030204" pitchFamily="34" charset="0"/>
-                <a:cs typeface="Times New Roman" panose="02020603050405020304" pitchFamily="18" charset="0"/>
-              </a:rPr>
-              <a:t> </a:t>
             </a:r>
             <a:endParaRPr lang="de-DE" sz="2800" kern="100" dirty="0">
               <a:effectLst/>
@@ -7356,7 +7351,7 @@
                 <a:ea typeface="Calibri" panose="020F0502020204030204" pitchFamily="34" charset="0"/>
                 <a:cs typeface="Times New Roman" panose="02020603050405020304" pitchFamily="18" charset="0"/>
               </a:rPr>
-              <a:t>t mit „fleißiger lernen“. </a:t>
+              <a:t>t mit „fleißiger lernen“.</a:t>
             </a:r>
             <a:endParaRPr lang="de-DE" sz="2800" i="1" kern="100" dirty="0">
               <a:effectLst/>
@@ -7433,16 +7428,10 @@
                 <a:ea typeface="Calibri" panose="020F0502020204030204" pitchFamily="34" charset="0"/>
                 <a:cs typeface="Times New Roman" panose="02020603050405020304" pitchFamily="18" charset="0"/>
               </a:rPr>
-              <a:t> sie doch </a:t>
-            </a:r>
-            <a:r>
-              <a:rPr lang="de-DE" b="1" u="sng" kern="100" dirty="0">
-                <a:latin typeface="Open Sans" panose="020B0606030504020204" pitchFamily="34" charset="0"/>
-                <a:ea typeface="Calibri" panose="020F0502020204030204" pitchFamily="34" charset="0"/>
-                <a:cs typeface="Times New Roman" panose="02020603050405020304" pitchFamily="18" charset="0"/>
-              </a:rPr>
-              <a:t>fleißiger gelernt</a:t>
-            </a:r>
+              <a:t> sie</a:t>
+            </a:r>
+          </a:p>
+          <a:p>
             <a:r>
               <a:rPr lang="de-DE" sz="1800" kern="100" dirty="0">
                 <a:effectLst/>
@@ -7450,16 +7439,24 @@
                 <a:ea typeface="Calibri" panose="020F0502020204030204" pitchFamily="34" charset="0"/>
                 <a:cs typeface="Times New Roman" panose="02020603050405020304" pitchFamily="18" charset="0"/>
               </a:rPr>
+              <a:t>doch </a:t>
+            </a:r>
+            <a:r>
+              <a:rPr lang="de-DE" b="1" u="sng" kern="100" dirty="0">
+                <a:latin typeface="Open Sans" panose="020B0606030504020204" pitchFamily="34" charset="0"/>
+                <a:ea typeface="Calibri" panose="020F0502020204030204" pitchFamily="34" charset="0"/>
+                <a:cs typeface="Times New Roman" panose="02020603050405020304" pitchFamily="18" charset="0"/>
+              </a:rPr>
+              <a:t>fleißiger gelernt</a:t>
+            </a:r>
+            <a:r>
+              <a:rPr lang="de-DE" sz="1800" kern="100" dirty="0">
+                <a:effectLst/>
+                <a:latin typeface="Open Sans" panose="020B0606030504020204" pitchFamily="34" charset="0"/>
+                <a:ea typeface="Calibri" panose="020F0502020204030204" pitchFamily="34" charset="0"/>
+                <a:cs typeface="Times New Roman" panose="02020603050405020304" pitchFamily="18" charset="0"/>
+              </a:rPr>
               <a:t>!</a:t>
-            </a:r>
-            <a:r>
-              <a:rPr lang="de-DE" sz="1800" b="1" u="sng" kern="100" dirty="0">
-                <a:effectLst/>
-                <a:latin typeface="Open Sans" panose="020B0606030504020204" pitchFamily="34" charset="0"/>
-                <a:ea typeface="Calibri" panose="020F0502020204030204" pitchFamily="34" charset="0"/>
-                <a:cs typeface="Times New Roman" panose="02020603050405020304" pitchFamily="18" charset="0"/>
-              </a:rPr>
-              <a:t> </a:t>
             </a:r>
             <a:endParaRPr lang="de-DE" sz="2800" kern="100" dirty="0">
               <a:effectLst/>
@@ -7515,7 +7512,7 @@
         <p:spPr>
           <a:xfrm>
             <a:off x="3711434" y="1898504"/>
-            <a:ext cx="5227614" cy="2718693"/>
+            <a:ext cx="5227614" cy="3200876"/>
           </a:xfrm>
           <a:prstGeom prst="rect">
             <a:avLst/>
@@ -7580,7 +7577,7 @@
                 <a:ea typeface="Open Sans" panose="020B0606030504020204" pitchFamily="34" charset="0"/>
                 <a:cs typeface="Open Sans" panose="020B0606030504020204" pitchFamily="34" charset="0"/>
               </a:rPr>
-              <a:t> gerne ins Kino.</a:t>
+              <a:t> gerne ins</a:t>
             </a:r>
           </a:p>
           <a:p>
@@ -7591,10 +7588,26 @@
             </a:pPr>
             <a:r>
               <a:rPr lang="de-DE" dirty="0">
+                <a:effectLst/>
                 <a:latin typeface="Open Sans" panose="020B0606030504020204" pitchFamily="34" charset="0"/>
                 <a:ea typeface="Open Sans" panose="020B0606030504020204" pitchFamily="34" charset="0"/>
                 <a:cs typeface="Open Sans" panose="020B0606030504020204" pitchFamily="34" charset="0"/>
               </a:rPr>
+              <a:t>Kino.</a:t>
+            </a:r>
+          </a:p>
+          <a:p>
+            <a:pPr>
+              <a:spcAft>
+                <a:spcPts val="800"/>
+              </a:spcAft>
+            </a:pPr>
+            <a:r>
+              <a:rPr lang="de-DE" dirty="0">
+                <a:latin typeface="Open Sans" panose="020B0606030504020204" pitchFamily="34" charset="0"/>
+                <a:ea typeface="Open Sans" panose="020B0606030504020204" pitchFamily="34" charset="0"/>
+                <a:cs typeface="Open Sans" panose="020B0606030504020204" pitchFamily="34" charset="0"/>
+              </a:rPr>
               <a:t>a) </a:t>
             </a:r>
             <a:r>
@@ -7604,7 +7617,7 @@
                 <a:ea typeface="Open Sans" panose="020B0606030504020204" pitchFamily="34" charset="0"/>
                 <a:cs typeface="Open Sans" panose="020B0606030504020204" pitchFamily="34" charset="0"/>
               </a:rPr>
-              <a:t>Konjunktiv 1 </a:t>
+              <a:t>Konjunktiv 1</a:t>
             </a:r>
             <a:r>
               <a:rPr lang="de-DE" dirty="0">
@@ -7613,8 +7626,15 @@
                 <a:ea typeface="Open Sans" panose="020B0606030504020204" pitchFamily="34" charset="0"/>
                 <a:cs typeface="Open Sans" panose="020B0606030504020204" pitchFamily="34" charset="0"/>
               </a:rPr>
-              <a:t>	b) Konjunktiv 2</a:t>
-            </a:r>
+              <a:t>	b) Konjunktiv 2 </a:t>
+            </a:r>
+          </a:p>
+          <a:p>
+            <a:pPr>
+              <a:spcAft>
+                <a:spcPts val="800"/>
+              </a:spcAft>
+            </a:pPr>
             <a:endParaRPr lang="de-DE" dirty="0">
               <a:latin typeface="Open Sans" panose="020B0606030504020204" pitchFamily="34" charset="0"/>
               <a:ea typeface="Open Sans" panose="020B0606030504020204" pitchFamily="34" charset="0"/>
@@ -7781,7 +7801,7 @@
                 <a:ea typeface="Calibri" panose="020F0502020204030204" pitchFamily="34" charset="0"/>
                 <a:cs typeface="Times New Roman" panose="02020603050405020304" pitchFamily="18" charset="0"/>
               </a:rPr>
-              <a:t>Wäre Christoph pünktlich erschienen, hätte er keinen Rüffel gekriegt. </a:t>
+              <a:t>Wäre Christoph pünktlich erschienen, hätte er keinen Rüffel gekriegt.</a:t>
             </a:r>
           </a:p>
           <a:p>

--- a/task_pictures/ppp/tasks.pptx
+++ b/task_pictures/ppp/tasks.pptx
@@ -129,7 +129,7 @@
   <p:extLst>
     <p:ext uri="{EFAFB233-063F-42B5-8137-9DF3F51BA10A}">
       <p15:sldGuideLst xmlns:p15="http://schemas.microsoft.com/office/powerpoint/2012/main">
-        <p15:guide id="1" orient="horz" pos="2160" userDrawn="1">
+        <p15:guide id="1" orient="horz" pos="2183" userDrawn="1">
           <p15:clr>
             <a:srgbClr val="A4A3A4"/>
           </p15:clr>
@@ -227,7 +227,7 @@
           <a:p>
             <a:fld id="{21985CF9-BA41-844A-AEB8-85B84B0C4080}" type="datetimeFigureOut">
               <a:rPr lang="de-DE" smtClean="0"/>
-              <a:t>27.11.23</a:t>
+              <a:t>17.12.23</a:t>
             </a:fld>
             <a:endParaRPr lang="de-DE"/>
           </a:p>
@@ -2381,7 +2381,7 @@
           <a:p>
             <a:fld id="{34B96CE8-6CED-354D-8C90-18D236AA368C}" type="datetimeFigureOut">
               <a:rPr lang="de-DE" smtClean="0"/>
-              <a:t>27.11.23</a:t>
+              <a:t>17.12.23</a:t>
             </a:fld>
             <a:endParaRPr lang="de-DE"/>
           </a:p>
@@ -2579,7 +2579,7 @@
           <a:p>
             <a:fld id="{34B96CE8-6CED-354D-8C90-18D236AA368C}" type="datetimeFigureOut">
               <a:rPr lang="de-DE" smtClean="0"/>
-              <a:t>27.11.23</a:t>
+              <a:t>17.12.23</a:t>
             </a:fld>
             <a:endParaRPr lang="de-DE"/>
           </a:p>
@@ -2787,7 +2787,7 @@
           <a:p>
             <a:fld id="{34B96CE8-6CED-354D-8C90-18D236AA368C}" type="datetimeFigureOut">
               <a:rPr lang="de-DE" smtClean="0"/>
-              <a:t>27.11.23</a:t>
+              <a:t>17.12.23</a:t>
             </a:fld>
             <a:endParaRPr lang="de-DE"/>
           </a:p>
@@ -2985,7 +2985,7 @@
           <a:p>
             <a:fld id="{34B96CE8-6CED-354D-8C90-18D236AA368C}" type="datetimeFigureOut">
               <a:rPr lang="de-DE" smtClean="0"/>
-              <a:t>27.11.23</a:t>
+              <a:t>17.12.23</a:t>
             </a:fld>
             <a:endParaRPr lang="de-DE"/>
           </a:p>
@@ -3260,7 +3260,7 @@
           <a:p>
             <a:fld id="{34B96CE8-6CED-354D-8C90-18D236AA368C}" type="datetimeFigureOut">
               <a:rPr lang="de-DE" smtClean="0"/>
-              <a:t>27.11.23</a:t>
+              <a:t>17.12.23</a:t>
             </a:fld>
             <a:endParaRPr lang="de-DE"/>
           </a:p>
@@ -3525,7 +3525,7 @@
           <a:p>
             <a:fld id="{34B96CE8-6CED-354D-8C90-18D236AA368C}" type="datetimeFigureOut">
               <a:rPr lang="de-DE" smtClean="0"/>
-              <a:t>27.11.23</a:t>
+              <a:t>17.12.23</a:t>
             </a:fld>
             <a:endParaRPr lang="de-DE"/>
           </a:p>
@@ -3937,7 +3937,7 @@
           <a:p>
             <a:fld id="{34B96CE8-6CED-354D-8C90-18D236AA368C}" type="datetimeFigureOut">
               <a:rPr lang="de-DE" smtClean="0"/>
-              <a:t>27.11.23</a:t>
+              <a:t>17.12.23</a:t>
             </a:fld>
             <a:endParaRPr lang="de-DE"/>
           </a:p>
@@ -4078,7 +4078,7 @@
           <a:p>
             <a:fld id="{34B96CE8-6CED-354D-8C90-18D236AA368C}" type="datetimeFigureOut">
               <a:rPr lang="de-DE" smtClean="0"/>
-              <a:t>27.11.23</a:t>
+              <a:t>17.12.23</a:t>
             </a:fld>
             <a:endParaRPr lang="de-DE"/>
           </a:p>
@@ -4191,7 +4191,7 @@
           <a:p>
             <a:fld id="{34B96CE8-6CED-354D-8C90-18D236AA368C}" type="datetimeFigureOut">
               <a:rPr lang="de-DE" smtClean="0"/>
-              <a:t>27.11.23</a:t>
+              <a:t>17.12.23</a:t>
             </a:fld>
             <a:endParaRPr lang="de-DE"/>
           </a:p>
@@ -4502,7 +4502,7 @@
           <a:p>
             <a:fld id="{34B96CE8-6CED-354D-8C90-18D236AA368C}" type="datetimeFigureOut">
               <a:rPr lang="de-DE" smtClean="0"/>
-              <a:t>27.11.23</a:t>
+              <a:t>17.12.23</a:t>
             </a:fld>
             <a:endParaRPr lang="de-DE"/>
           </a:p>
@@ -4790,7 +4790,7 @@
           <a:p>
             <a:fld id="{34B96CE8-6CED-354D-8C90-18D236AA368C}" type="datetimeFigureOut">
               <a:rPr lang="de-DE" smtClean="0"/>
-              <a:t>27.11.23</a:t>
+              <a:t>17.12.23</a:t>
             </a:fld>
             <a:endParaRPr lang="de-DE"/>
           </a:p>
@@ -5031,7 +5031,7 @@
           <a:p>
             <a:fld id="{34B96CE8-6CED-354D-8C90-18D236AA368C}" type="datetimeFigureOut">
               <a:rPr lang="de-DE" smtClean="0"/>
-              <a:t>27.11.23</a:t>
+              <a:t>17.12.23</a:t>
             </a:fld>
             <a:endParaRPr lang="de-DE"/>
           </a:p>
@@ -6859,8 +6859,8 @@
         </p:nvSpPr>
         <p:spPr>
           <a:xfrm>
-            <a:off x="3046956" y="2277969"/>
-            <a:ext cx="5227614" cy="1754326"/>
+            <a:off x="3046957" y="2277969"/>
+            <a:ext cx="5113818" cy="1754326"/>
           </a:xfrm>
           <a:prstGeom prst="rect">
             <a:avLst/>
@@ -6874,126 +6874,129 @@
           <a:lstStyle/>
           <a:p>
             <a:r>
-              <a:rPr lang="de-DE" sz="1800" i="1" kern="100" dirty="0">
+              <a:rPr lang="de-DE" i="1" kern="100" dirty="0">
                 <a:effectLst/>
                 <a:latin typeface="Open Sans" panose="020B0606030504020204" pitchFamily="34" charset="0"/>
-                <a:ea typeface="Calibri" panose="020F0502020204030204" pitchFamily="34" charset="0"/>
-                <a:cs typeface="Times New Roman" panose="02020603050405020304" pitchFamily="18" charset="0"/>
-              </a:rPr>
-              <a:t>Vervollständige den folgenden Text im Konjunktiv 2 in der Vergangenhei</a:t>
-            </a:r>
+                <a:ea typeface="Open Sans" panose="020B0606030504020204" pitchFamily="34" charset="0"/>
+                <a:cs typeface="Open Sans" panose="020B0606030504020204" pitchFamily="34" charset="0"/>
+              </a:rPr>
+              <a:t>Vervollständige den folgenden Text im Konjunktiv</a:t>
+            </a:r>
+          </a:p>
+          <a:p>
             <a:r>
               <a:rPr lang="de-DE" i="1" kern="100" dirty="0">
-                <a:latin typeface="Open Sans" panose="020B0606030504020204" pitchFamily="34" charset="0"/>
-                <a:ea typeface="Calibri" panose="020F0502020204030204" pitchFamily="34" charset="0"/>
-                <a:cs typeface="Times New Roman" panose="02020603050405020304" pitchFamily="18" charset="0"/>
-              </a:rPr>
-              <a:t>t mit „mein Zimmer aufräumen“. </a:t>
-            </a:r>
-            <a:endParaRPr lang="de-DE" sz="2800" i="1" kern="100" dirty="0">
+                <a:effectLst/>
+                <a:latin typeface="Open Sans" panose="020B0606030504020204" pitchFamily="34" charset="0"/>
+                <a:ea typeface="Open Sans" panose="020B0606030504020204" pitchFamily="34" charset="0"/>
+                <a:cs typeface="Open Sans" panose="020B0606030504020204" pitchFamily="34" charset="0"/>
+              </a:rPr>
+              <a:t>2 in der Vergangenhei</a:t>
+            </a:r>
+            <a:r>
+              <a:rPr lang="de-DE" i="1" kern="100" dirty="0">
+                <a:latin typeface="Open Sans" panose="020B0606030504020204" pitchFamily="34" charset="0"/>
+                <a:ea typeface="Open Sans" panose="020B0606030504020204" pitchFamily="34" charset="0"/>
+                <a:cs typeface="Open Sans" panose="020B0606030504020204" pitchFamily="34" charset="0"/>
+              </a:rPr>
+              <a:t>t mit „mein Zimmer</a:t>
+            </a:r>
+          </a:p>
+          <a:p>
+            <a:r>
+              <a:rPr lang="de-DE" i="1" kern="100" dirty="0">
+                <a:latin typeface="Open Sans" panose="020B0606030504020204" pitchFamily="34" charset="0"/>
+                <a:ea typeface="Open Sans" panose="020B0606030504020204" pitchFamily="34" charset="0"/>
+                <a:cs typeface="Open Sans" panose="020B0606030504020204" pitchFamily="34" charset="0"/>
+              </a:rPr>
+              <a:t>aufräumen“.</a:t>
+            </a:r>
+            <a:endParaRPr lang="de-DE" i="1" kern="100" dirty="0">
               <a:effectLst/>
-              <a:latin typeface="Calibri" panose="020F0502020204030204" pitchFamily="34" charset="0"/>
-              <a:ea typeface="Calibri" panose="020F0502020204030204" pitchFamily="34" charset="0"/>
-              <a:cs typeface="Times New Roman" panose="02020603050405020304" pitchFamily="18" charset="0"/>
+              <a:latin typeface="Open Sans" panose="020B0606030504020204" pitchFamily="34" charset="0"/>
+              <a:ea typeface="Open Sans" panose="020B0606030504020204" pitchFamily="34" charset="0"/>
+              <a:cs typeface="Open Sans" panose="020B0606030504020204" pitchFamily="34" charset="0"/>
             </a:endParaRPr>
           </a:p>
           <a:p>
-            <a:r>
-              <a:rPr lang="de-DE" sz="1800" kern="100" dirty="0">
+            <a:endParaRPr lang="de-DE" kern="100" dirty="0">
+              <a:effectLst/>
+              <a:latin typeface="Open Sans" panose="020B0606030504020204" pitchFamily="34" charset="0"/>
+              <a:ea typeface="Open Sans" panose="020B0606030504020204" pitchFamily="34" charset="0"/>
+              <a:cs typeface="Open Sans" panose="020B0606030504020204" pitchFamily="34" charset="0"/>
+            </a:endParaRPr>
+          </a:p>
+          <a:p>
+            <a:r>
+              <a:rPr lang="de-DE" kern="100" dirty="0">
                 <a:effectLst/>
                 <a:latin typeface="Open Sans" panose="020B0606030504020204" pitchFamily="34" charset="0"/>
-                <a:ea typeface="Calibri" panose="020F0502020204030204" pitchFamily="34" charset="0"/>
-                <a:cs typeface="Times New Roman" panose="02020603050405020304" pitchFamily="18" charset="0"/>
-              </a:rPr>
-              <a:t> </a:t>
-            </a:r>
-            <a:r>
-              <a:rPr lang="de-DE" sz="1800" i="1" kern="100" dirty="0">
+                <a:ea typeface="Open Sans" panose="020B0606030504020204" pitchFamily="34" charset="0"/>
+                <a:cs typeface="Open Sans" panose="020B0606030504020204" pitchFamily="34" charset="0"/>
+              </a:rPr>
+              <a:t>Meine Mutter kommt zurück. </a:t>
+            </a:r>
+            <a:r>
+              <a:rPr lang="de-DE" b="1" u="sng" kern="100" dirty="0">
                 <a:effectLst/>
                 <a:latin typeface="Open Sans" panose="020B0606030504020204" pitchFamily="34" charset="0"/>
-                <a:ea typeface="Calibri" panose="020F0502020204030204" pitchFamily="34" charset="0"/>
-                <a:cs typeface="Times New Roman" panose="02020603050405020304" pitchFamily="18" charset="0"/>
-              </a:rPr>
-              <a:t> </a:t>
-            </a:r>
-            <a:endParaRPr lang="de-DE" sz="2800" kern="100" dirty="0">
+                <a:ea typeface="Open Sans" panose="020B0606030504020204" pitchFamily="34" charset="0"/>
+                <a:cs typeface="Open Sans" panose="020B0606030504020204" pitchFamily="34" charset="0"/>
+              </a:rPr>
+              <a:t>Hätte</a:t>
+            </a:r>
+            <a:r>
+              <a:rPr lang="de-DE" kern="100" dirty="0">
+                <a:effectLst/>
+                <a:latin typeface="Open Sans" panose="020B0606030504020204" pitchFamily="34" charset="0"/>
+                <a:ea typeface="Open Sans" panose="020B0606030504020204" pitchFamily="34" charset="0"/>
+                <a:cs typeface="Open Sans" panose="020B0606030504020204" pitchFamily="34" charset="0"/>
+              </a:rPr>
+              <a:t> ich doch</a:t>
+            </a:r>
+          </a:p>
+          <a:p>
+            <a:r>
+              <a:rPr lang="de-DE" kern="100" dirty="0">
+                <a:effectLst/>
+                <a:latin typeface="Open Sans" panose="020B0606030504020204" pitchFamily="34" charset="0"/>
+                <a:ea typeface="Open Sans" panose="020B0606030504020204" pitchFamily="34" charset="0"/>
+                <a:cs typeface="Open Sans" panose="020B0606030504020204" pitchFamily="34" charset="0"/>
+              </a:rPr>
+              <a:t>mein Zimmer </a:t>
+            </a:r>
+            <a:r>
+              <a:rPr lang="de-DE" b="1" u="sng" kern="100" dirty="0">
+                <a:effectLst/>
+                <a:latin typeface="Open Sans" panose="020B0606030504020204" pitchFamily="34" charset="0"/>
+                <a:ea typeface="Open Sans" panose="020B0606030504020204" pitchFamily="34" charset="0"/>
+                <a:cs typeface="Open Sans" panose="020B0606030504020204" pitchFamily="34" charset="0"/>
+              </a:rPr>
+              <a:t>aufgeräumt</a:t>
+            </a:r>
+            <a:r>
+              <a:rPr lang="de-DE" kern="100" dirty="0">
+                <a:effectLst/>
+                <a:latin typeface="Open Sans" panose="020B0606030504020204" pitchFamily="34" charset="0"/>
+                <a:ea typeface="Open Sans" panose="020B0606030504020204" pitchFamily="34" charset="0"/>
+                <a:cs typeface="Open Sans" panose="020B0606030504020204" pitchFamily="34" charset="0"/>
+              </a:rPr>
+              <a:t>!</a:t>
+            </a:r>
+            <a:r>
+              <a:rPr lang="de-DE" b="1" u="sng" kern="100" dirty="0">
+                <a:effectLst/>
+                <a:latin typeface="Open Sans" panose="020B0606030504020204" pitchFamily="34" charset="0"/>
+                <a:ea typeface="Open Sans" panose="020B0606030504020204" pitchFamily="34" charset="0"/>
+                <a:cs typeface="Open Sans" panose="020B0606030504020204" pitchFamily="34" charset="0"/>
+              </a:rPr>
+              <a:t> </a:t>
+            </a:r>
+            <a:endParaRPr lang="de-DE" kern="100" dirty="0">
               <a:effectLst/>
-              <a:latin typeface="Calibri" panose="020F0502020204030204" pitchFamily="34" charset="0"/>
-              <a:ea typeface="Calibri" panose="020F0502020204030204" pitchFamily="34" charset="0"/>
-              <a:cs typeface="Times New Roman" panose="02020603050405020304" pitchFamily="18" charset="0"/>
-            </a:endParaRPr>
-          </a:p>
-          <a:p>
-            <a:r>
-              <a:rPr lang="de-DE" sz="1800" kern="100" dirty="0">
-                <a:effectLst/>
-                <a:latin typeface="Open Sans" panose="020B0606030504020204" pitchFamily="34" charset="0"/>
-                <a:ea typeface="Calibri" panose="020F0502020204030204" pitchFamily="34" charset="0"/>
-                <a:cs typeface="Times New Roman" panose="02020603050405020304" pitchFamily="18" charset="0"/>
-              </a:rPr>
-              <a:t>Meine Mutter kommt zurück. </a:t>
-            </a:r>
-            <a:r>
-              <a:rPr lang="de-DE" sz="1800" b="1" u="sng" kern="100" dirty="0">
-                <a:effectLst/>
-                <a:latin typeface="Open Sans" panose="020B0606030504020204" pitchFamily="34" charset="0"/>
-                <a:ea typeface="Calibri" panose="020F0502020204030204" pitchFamily="34" charset="0"/>
-                <a:cs typeface="Times New Roman" panose="02020603050405020304" pitchFamily="18" charset="0"/>
-              </a:rPr>
-              <a:t>Hätte</a:t>
-            </a:r>
-            <a:r>
-              <a:rPr lang="de-DE" sz="1800" kern="100" dirty="0">
-                <a:effectLst/>
-                <a:latin typeface="Open Sans" panose="020B0606030504020204" pitchFamily="34" charset="0"/>
-                <a:ea typeface="Calibri" panose="020F0502020204030204" pitchFamily="34" charset="0"/>
-                <a:cs typeface="Times New Roman" panose="02020603050405020304" pitchFamily="18" charset="0"/>
-              </a:rPr>
-              <a:t> ich doch</a:t>
-            </a:r>
-          </a:p>
-          <a:p>
-            <a:r>
-              <a:rPr lang="de-DE" sz="1800" kern="100" dirty="0">
-                <a:effectLst/>
-                <a:latin typeface="Open Sans" panose="020B0606030504020204" pitchFamily="34" charset="0"/>
-                <a:ea typeface="Calibri" panose="020F0502020204030204" pitchFamily="34" charset="0"/>
-                <a:cs typeface="Times New Roman" panose="02020603050405020304" pitchFamily="18" charset="0"/>
-              </a:rPr>
-              <a:t>mein Zimmer </a:t>
-            </a:r>
-            <a:r>
-              <a:rPr lang="de-DE" sz="1800" b="1" u="sng" kern="100" dirty="0">
-                <a:effectLst/>
-                <a:latin typeface="Open Sans" panose="020B0606030504020204" pitchFamily="34" charset="0"/>
-                <a:ea typeface="Calibri" panose="020F0502020204030204" pitchFamily="34" charset="0"/>
-                <a:cs typeface="Times New Roman" panose="02020603050405020304" pitchFamily="18" charset="0"/>
-              </a:rPr>
-              <a:t>aufgeräumt</a:t>
-            </a:r>
-            <a:r>
-              <a:rPr lang="de-DE" sz="1800" kern="100" dirty="0">
-                <a:effectLst/>
-                <a:latin typeface="Open Sans" panose="020B0606030504020204" pitchFamily="34" charset="0"/>
-                <a:ea typeface="Calibri" panose="020F0502020204030204" pitchFamily="34" charset="0"/>
-                <a:cs typeface="Times New Roman" panose="02020603050405020304" pitchFamily="18" charset="0"/>
-              </a:rPr>
-              <a:t>!</a:t>
-            </a:r>
-            <a:r>
-              <a:rPr lang="de-DE" sz="1800" b="1" u="sng" kern="100" dirty="0">
-                <a:effectLst/>
-                <a:latin typeface="Open Sans" panose="020B0606030504020204" pitchFamily="34" charset="0"/>
-                <a:ea typeface="Calibri" panose="020F0502020204030204" pitchFamily="34" charset="0"/>
-                <a:cs typeface="Times New Roman" panose="02020603050405020304" pitchFamily="18" charset="0"/>
-              </a:rPr>
-              <a:t> </a:t>
-            </a:r>
-            <a:endParaRPr lang="de-DE" sz="2800" kern="100" dirty="0">
-              <a:effectLst/>
-              <a:latin typeface="Calibri" panose="020F0502020204030204" pitchFamily="34" charset="0"/>
-              <a:ea typeface="Calibri" panose="020F0502020204030204" pitchFamily="34" charset="0"/>
-              <a:cs typeface="Times New Roman" panose="02020603050405020304" pitchFamily="18" charset="0"/>
+              <a:latin typeface="Open Sans" panose="020B0606030504020204" pitchFamily="34" charset="0"/>
+              <a:ea typeface="Open Sans" panose="020B0606030504020204" pitchFamily="34" charset="0"/>
+              <a:cs typeface="Open Sans" panose="020B0606030504020204" pitchFamily="34" charset="0"/>
             </a:endParaRPr>
           </a:p>
         </p:txBody>
@@ -7168,7 +7171,7 @@
         <p:spPr>
           <a:xfrm>
             <a:off x="3046956" y="2277969"/>
-            <a:ext cx="5227614" cy="1477328"/>
+            <a:ext cx="5227614" cy="2062103"/>
           </a:xfrm>
           <a:prstGeom prst="rect">
             <a:avLst/>
@@ -7188,7 +7191,18 @@
                 <a:ea typeface="Calibri" panose="020F0502020204030204" pitchFamily="34" charset="0"/>
                 <a:cs typeface="Times New Roman" panose="02020603050405020304" pitchFamily="18" charset="0"/>
               </a:rPr>
-              <a:t>Vervollständige den folgenden Text im Konjunktiv 2 in der Vergangenhei</a:t>
+              <a:t>Vervollständige den folgenden Text im Konjunktiv</a:t>
+            </a:r>
+          </a:p>
+          <a:p>
+            <a:r>
+              <a:rPr lang="de-DE" sz="1800" i="1" kern="100" dirty="0">
+                <a:effectLst/>
+                <a:latin typeface="Open Sans" panose="020B0606030504020204" pitchFamily="34" charset="0"/>
+                <a:ea typeface="Calibri" panose="020F0502020204030204" pitchFamily="34" charset="0"/>
+                <a:cs typeface="Times New Roman" panose="02020603050405020304" pitchFamily="18" charset="0"/>
+              </a:rPr>
+              <a:t>2 in der Vergangenhei</a:t>
             </a:r>
             <a:r>
               <a:rPr lang="de-DE" i="1" kern="100" dirty="0">
@@ -7196,25 +7210,10 @@
                 <a:ea typeface="Calibri" panose="020F0502020204030204" pitchFamily="34" charset="0"/>
                 <a:cs typeface="Times New Roman" panose="02020603050405020304" pitchFamily="18" charset="0"/>
               </a:rPr>
-              <a:t>t mit „langsamer fahren“. </a:t>
-            </a:r>
-            <a:endParaRPr lang="de-DE" sz="2800" i="1" kern="100" dirty="0">
-              <a:effectLst/>
-              <a:latin typeface="Calibri" panose="020F0502020204030204" pitchFamily="34" charset="0"/>
-              <a:ea typeface="Calibri" panose="020F0502020204030204" pitchFamily="34" charset="0"/>
-              <a:cs typeface="Times New Roman" panose="02020603050405020304" pitchFamily="18" charset="0"/>
-            </a:endParaRPr>
-          </a:p>
-          <a:p>
-            <a:r>
-              <a:rPr lang="de-DE" sz="1800" kern="100" dirty="0">
-                <a:effectLst/>
-                <a:latin typeface="Open Sans" panose="020B0606030504020204" pitchFamily="34" charset="0"/>
-                <a:ea typeface="Calibri" panose="020F0502020204030204" pitchFamily="34" charset="0"/>
-                <a:cs typeface="Times New Roman" panose="02020603050405020304" pitchFamily="18" charset="0"/>
-              </a:rPr>
-              <a:t> </a:t>
-            </a:r>
+              <a:t>t mit „langsamer fahren“.</a:t>
+            </a:r>
+          </a:p>
+          <a:p>
             <a:endParaRPr lang="de-DE" sz="2800" kern="100" dirty="0">
               <a:effectLst/>
               <a:latin typeface="Calibri" panose="020F0502020204030204" pitchFamily="34" charset="0"/>
@@ -7269,6 +7268,8 @@
               </a:rPr>
               <a:t>!</a:t>
             </a:r>
+          </a:p>
+          <a:p>
             <a:endParaRPr lang="de-DE" sz="2800" kern="100" dirty="0">
               <a:effectLst/>
               <a:latin typeface="Calibri" panose="020F0502020204030204" pitchFamily="34" charset="0"/>
@@ -7323,7 +7324,7 @@
         <p:spPr>
           <a:xfrm>
             <a:off x="3046956" y="2277969"/>
-            <a:ext cx="5227614" cy="1477328"/>
+            <a:ext cx="5227614" cy="1908215"/>
           </a:xfrm>
           <a:prstGeom prst="rect">
             <a:avLst/>
@@ -7343,7 +7344,27 @@
                 <a:ea typeface="Calibri" panose="020F0502020204030204" pitchFamily="34" charset="0"/>
                 <a:cs typeface="Times New Roman" panose="02020603050405020304" pitchFamily="18" charset="0"/>
               </a:rPr>
-              <a:t>Vervollständige den folgenden Text im Konjunktiv 2 in der Vergangenhei</a:t>
+              <a:t>Vervollständige den folgenden Text im Konjunktiv</a:t>
+            </a:r>
+          </a:p>
+          <a:p>
+            <a:r>
+              <a:rPr lang="de-DE" sz="1800" i="1" kern="100">
+                <a:effectLst/>
+                <a:latin typeface="Open Sans" panose="020B0606030504020204" pitchFamily="34" charset="0"/>
+                <a:ea typeface="Calibri" panose="020F0502020204030204" pitchFamily="34" charset="0"/>
+                <a:cs typeface="Times New Roman" panose="02020603050405020304" pitchFamily="18" charset="0"/>
+              </a:rPr>
+              <a:t>2 </a:t>
+            </a:r>
+            <a:r>
+              <a:rPr lang="de-DE" sz="1800" i="1" kern="100" dirty="0">
+                <a:effectLst/>
+                <a:latin typeface="Open Sans" panose="020B0606030504020204" pitchFamily="34" charset="0"/>
+                <a:ea typeface="Calibri" panose="020F0502020204030204" pitchFamily="34" charset="0"/>
+                <a:cs typeface="Times New Roman" panose="02020603050405020304" pitchFamily="18" charset="0"/>
+              </a:rPr>
+              <a:t>in der Vergangenhei</a:t>
             </a:r>
             <a:r>
               <a:rPr lang="de-DE" i="1" kern="100" dirty="0">
@@ -7370,15 +7391,6 @@
               </a:rPr>
               <a:t> </a:t>
             </a:r>
-            <a:r>
-              <a:rPr lang="de-DE" sz="1800" i="1" kern="100" dirty="0">
-                <a:effectLst/>
-                <a:latin typeface="Open Sans" panose="020B0606030504020204" pitchFamily="34" charset="0"/>
-                <a:ea typeface="Calibri" panose="020F0502020204030204" pitchFamily="34" charset="0"/>
-                <a:cs typeface="Times New Roman" panose="02020603050405020304" pitchFamily="18" charset="0"/>
-              </a:rPr>
-              <a:t> </a:t>
-            </a:r>
             <a:endParaRPr lang="de-DE" sz="2800" kern="100" dirty="0">
               <a:effectLst/>
               <a:latin typeface="Calibri" panose="020F0502020204030204" pitchFamily="34" charset="0"/>
@@ -7458,6 +7470,8 @@
               </a:rPr>
               <a:t>!</a:t>
             </a:r>
+          </a:p>
+          <a:p>
             <a:endParaRPr lang="de-DE" sz="2800" kern="100" dirty="0">
               <a:effectLst/>
               <a:latin typeface="Calibri" panose="020F0502020204030204" pitchFamily="34" charset="0"/>
@@ -7512,7 +7526,7 @@
         <p:spPr>
           <a:xfrm>
             <a:off x="3711434" y="1898504"/>
-            <a:ext cx="5227614" cy="3200876"/>
+            <a:ext cx="5029443" cy="3098284"/>
           </a:xfrm>
           <a:prstGeom prst="rect">
             <a:avLst/>
@@ -7539,8 +7553,7 @@
               </a:rPr>
               <a:t>Stehen die fett gedruckten Verben im Konjunktiv 1 oder 2?</a:t>
             </a:r>
-            <a:endParaRPr lang="de-DE" kern="100" dirty="0">
-              <a:effectLst/>
+            <a:endParaRPr lang="de-DE" i="1" kern="100" dirty="0">
               <a:latin typeface="Open Sans" panose="020B0606030504020204" pitchFamily="34" charset="0"/>
               <a:ea typeface="Open Sans" panose="020B0606030504020204" pitchFamily="34" charset="0"/>
               <a:cs typeface="Open Sans" panose="020B0606030504020204" pitchFamily="34" charset="0"/>
@@ -7579,6 +7592,23 @@
               </a:rPr>
               <a:t> gerne ins</a:t>
             </a:r>
+            <a:r>
+              <a:rPr lang="de-DE" dirty="0">
+                <a:latin typeface="Open Sans" panose="020B0606030504020204" pitchFamily="34" charset="0"/>
+                <a:ea typeface="Open Sans" panose="020B0606030504020204" pitchFamily="34" charset="0"/>
+                <a:cs typeface="Open Sans" panose="020B0606030504020204" pitchFamily="34" charset="0"/>
+              </a:rPr>
+              <a:t> </a:t>
+            </a:r>
+            <a:r>
+              <a:rPr lang="de-DE" dirty="0">
+                <a:effectLst/>
+                <a:latin typeface="Open Sans" panose="020B0606030504020204" pitchFamily="34" charset="0"/>
+                <a:ea typeface="Open Sans" panose="020B0606030504020204" pitchFamily="34" charset="0"/>
+                <a:cs typeface="Open Sans" panose="020B0606030504020204" pitchFamily="34" charset="0"/>
+              </a:rPr>
+              <a:t>Kino.</a:t>
+            </a:r>
           </a:p>
           <a:p>
             <a:pPr>
@@ -7588,46 +7618,35 @@
             </a:pPr>
             <a:r>
               <a:rPr lang="de-DE" dirty="0">
-                <a:effectLst/>
                 <a:latin typeface="Open Sans" panose="020B0606030504020204" pitchFamily="34" charset="0"/>
                 <a:ea typeface="Open Sans" panose="020B0606030504020204" pitchFamily="34" charset="0"/>
                 <a:cs typeface="Open Sans" panose="020B0606030504020204" pitchFamily="34" charset="0"/>
               </a:rPr>
-              <a:t>Kino.</a:t>
-            </a:r>
-          </a:p>
-          <a:p>
-            <a:pPr>
-              <a:spcAft>
-                <a:spcPts val="800"/>
-              </a:spcAft>
-            </a:pPr>
-            <a:r>
-              <a:rPr lang="de-DE" dirty="0">
+              <a:t>a) </a:t>
+            </a:r>
+            <a:r>
+              <a:rPr lang="de-DE" b="1" u="sng" dirty="0">
+                <a:effectLst/>
                 <a:latin typeface="Open Sans" panose="020B0606030504020204" pitchFamily="34" charset="0"/>
                 <a:ea typeface="Open Sans" panose="020B0606030504020204" pitchFamily="34" charset="0"/>
                 <a:cs typeface="Open Sans" panose="020B0606030504020204" pitchFamily="34" charset="0"/>
               </a:rPr>
-              <a:t>a) </a:t>
-            </a:r>
-            <a:r>
-              <a:rPr lang="de-DE" b="1" u="sng" dirty="0">
+              <a:t>Konjunktiv 1</a:t>
+            </a:r>
+            <a:r>
+              <a:rPr lang="de-DE" dirty="0">
                 <a:effectLst/>
                 <a:latin typeface="Open Sans" panose="020B0606030504020204" pitchFamily="34" charset="0"/>
                 <a:ea typeface="Open Sans" panose="020B0606030504020204" pitchFamily="34" charset="0"/>
                 <a:cs typeface="Open Sans" panose="020B0606030504020204" pitchFamily="34" charset="0"/>
               </a:rPr>
-              <a:t>Konjunktiv 1</a:t>
-            </a:r>
-            <a:r>
-              <a:rPr lang="de-DE" dirty="0">
-                <a:effectLst/>
-                <a:latin typeface="Open Sans" panose="020B0606030504020204" pitchFamily="34" charset="0"/>
-                <a:ea typeface="Open Sans" panose="020B0606030504020204" pitchFamily="34" charset="0"/>
-                <a:cs typeface="Open Sans" panose="020B0606030504020204" pitchFamily="34" charset="0"/>
-              </a:rPr>
-              <a:t>	b) Konjunktiv 2 </a:t>
-            </a:r>
+              <a:t>	b) Konjunktiv 2</a:t>
+            </a:r>
+            <a:endParaRPr lang="de-DE" dirty="0">
+              <a:latin typeface="Open Sans" panose="020B0606030504020204" pitchFamily="34" charset="0"/>
+              <a:ea typeface="Open Sans" panose="020B0606030504020204" pitchFamily="34" charset="0"/>
+              <a:cs typeface="Open Sans" panose="020B0606030504020204" pitchFamily="34" charset="0"/>
+            </a:endParaRPr>
           </a:p>
           <a:p>
             <a:pPr>
@@ -7672,7 +7691,7 @@
                 <a:ea typeface="Open Sans" panose="020B0606030504020204" pitchFamily="34" charset="0"/>
                 <a:cs typeface="Open Sans" panose="020B0606030504020204" pitchFamily="34" charset="0"/>
               </a:rPr>
-              <a:t> keinen Alkohol mehr. </a:t>
+              <a:t>  keinen Alkohol mehr. </a:t>
             </a:r>
           </a:p>
           <a:p>
@@ -7696,7 +7715,7 @@
                 <a:ea typeface="Open Sans" panose="020B0606030504020204" pitchFamily="34" charset="0"/>
                 <a:cs typeface="Open Sans" panose="020B0606030504020204" pitchFamily="34" charset="0"/>
               </a:rPr>
-              <a:t>Konjunktiv 1</a:t>
+              <a:t>Konjunktiv </a:t>
             </a:r>
             <a:r>
               <a:rPr lang="de-DE" dirty="0">
@@ -7704,7 +7723,7 @@
                 <a:ea typeface="Open Sans" panose="020B0606030504020204" pitchFamily="34" charset="0"/>
                 <a:cs typeface="Open Sans" panose="020B0606030504020204" pitchFamily="34" charset="0"/>
               </a:rPr>
-              <a:t> 	b) </a:t>
+              <a:t>1  b) </a:t>
             </a:r>
             <a:r>
               <a:rPr lang="de-DE" b="1" u="sng" dirty="0">
